--- a/Proiect 1 -SD - sortari/Sortari - SD.pptx
+++ b/Proiect 1 -SD - sortari/Sortari - SD.pptx
@@ -6941,7 +6941,7 @@
           <a:noFill/>
           <a:extLst>
             <a:ext uri="{909E8E84-426E-40dd-AFC4-6F175D3DCCD1}">
-              <a14:hiddenFill xmlns="" xmlns:a14="http://schemas.microsoft.com/office/drawing/2010/main">
+              <a14:hiddenFill xmlns:a14="http://schemas.microsoft.com/office/drawing/2010/main" xmlns="">
                 <a:solidFill>
                   <a:srgbClr val="FFFFFF"/>
                 </a:solidFill>
@@ -7000,7 +7000,7 @@
             </a:ln>
             <a:extLst>
               <a:ext uri="{91240B29-F687-4f45-9708-019B960494DF}">
-                <a14:hiddenLine xmlns="" xmlns:a14="http://schemas.microsoft.com/office/drawing/2010/main" w="9525">
+                <a14:hiddenLine xmlns:a14="http://schemas.microsoft.com/office/drawing/2010/main" xmlns="" w="9525">
                   <a:solidFill>
                     <a:srgbClr val="000000"/>
                   </a:solidFill>
@@ -7090,7 +7090,7 @@
             </a:ln>
             <a:extLst>
               <a:ext uri="{91240B29-F687-4f45-9708-019B960494DF}">
-                <a14:hiddenLine xmlns="" xmlns:a14="http://schemas.microsoft.com/office/drawing/2010/main" w="9525">
+                <a14:hiddenLine xmlns:a14="http://schemas.microsoft.com/office/drawing/2010/main" xmlns="" w="9525">
                   <a:solidFill>
                     <a:srgbClr val="000000"/>
                   </a:solidFill>
@@ -7180,7 +7180,7 @@
             </a:ln>
             <a:extLst>
               <a:ext uri="{91240B29-F687-4f45-9708-019B960494DF}">
-                <a14:hiddenLine xmlns="" xmlns:a14="http://schemas.microsoft.com/office/drawing/2010/main" w="9525">
+                <a14:hiddenLine xmlns:a14="http://schemas.microsoft.com/office/drawing/2010/main" xmlns="" w="9525">
                   <a:solidFill>
                     <a:srgbClr val="000000"/>
                   </a:solidFill>
@@ -7214,7 +7214,7 @@
             </a:ln>
             <a:extLst>
               <a:ext uri="{91240B29-F687-4f45-9708-019B960494DF}">
-                <a14:hiddenLine xmlns="" xmlns:a14="http://schemas.microsoft.com/office/drawing/2010/main" w="9525">
+                <a14:hiddenLine xmlns:a14="http://schemas.microsoft.com/office/drawing/2010/main" xmlns="" w="9525">
                   <a:solidFill>
                     <a:srgbClr val="000000"/>
                   </a:solidFill>
@@ -7304,7 +7304,7 @@
             </a:ln>
             <a:extLst>
               <a:ext uri="{91240B29-F687-4f45-9708-019B960494DF}">
-                <a14:hiddenLine xmlns="" xmlns:a14="http://schemas.microsoft.com/office/drawing/2010/main" w="9525">
+                <a14:hiddenLine xmlns:a14="http://schemas.microsoft.com/office/drawing/2010/main" xmlns="" w="9525">
                   <a:solidFill>
                     <a:srgbClr val="000000"/>
                   </a:solidFill>
@@ -7366,7 +7366,7 @@
             </a:ln>
             <a:extLst>
               <a:ext uri="{91240B29-F687-4f45-9708-019B960494DF}">
-                <a14:hiddenLine xmlns="" xmlns:a14="http://schemas.microsoft.com/office/drawing/2010/main" w="9525">
+                <a14:hiddenLine xmlns:a14="http://schemas.microsoft.com/office/drawing/2010/main" xmlns="" w="9525">
                   <a:solidFill>
                     <a:srgbClr val="000000"/>
                   </a:solidFill>
@@ -7428,7 +7428,7 @@
             </a:ln>
             <a:extLst>
               <a:ext uri="{91240B29-F687-4f45-9708-019B960494DF}">
-                <a14:hiddenLine xmlns="" xmlns:a14="http://schemas.microsoft.com/office/drawing/2010/main" w="9525">
+                <a14:hiddenLine xmlns:a14="http://schemas.microsoft.com/office/drawing/2010/main" xmlns="" w="9525">
                   <a:solidFill>
                     <a:srgbClr val="000000"/>
                   </a:solidFill>
@@ -7518,7 +7518,7 @@
             </a:ln>
             <a:extLst>
               <a:ext uri="{91240B29-F687-4f45-9708-019B960494DF}">
-                <a14:hiddenLine xmlns="" xmlns:a14="http://schemas.microsoft.com/office/drawing/2010/main" w="9525">
+                <a14:hiddenLine xmlns:a14="http://schemas.microsoft.com/office/drawing/2010/main" xmlns="" w="9525">
                   <a:solidFill>
                     <a:srgbClr val="000000"/>
                   </a:solidFill>
@@ -7580,7 +7580,7 @@
             </a:ln>
             <a:extLst>
               <a:ext uri="{91240B29-F687-4f45-9708-019B960494DF}">
-                <a14:hiddenLine xmlns="" xmlns:a14="http://schemas.microsoft.com/office/drawing/2010/main" w="9525">
+                <a14:hiddenLine xmlns:a14="http://schemas.microsoft.com/office/drawing/2010/main" xmlns="" w="9525">
                   <a:solidFill>
                     <a:srgbClr val="000000"/>
                   </a:solidFill>
@@ -7642,7 +7642,7 @@
             </a:ln>
             <a:extLst>
               <a:ext uri="{91240B29-F687-4f45-9708-019B960494DF}">
-                <a14:hiddenLine xmlns="" xmlns:a14="http://schemas.microsoft.com/office/drawing/2010/main" w="9525">
+                <a14:hiddenLine xmlns:a14="http://schemas.microsoft.com/office/drawing/2010/main" xmlns="" w="9525">
                   <a:solidFill>
                     <a:srgbClr val="000000"/>
                   </a:solidFill>
@@ -7732,7 +7732,7 @@
             </a:ln>
             <a:extLst>
               <a:ext uri="{91240B29-F687-4f45-9708-019B960494DF}">
-                <a14:hiddenLine xmlns="" xmlns:a14="http://schemas.microsoft.com/office/drawing/2010/main" w="9525">
+                <a14:hiddenLine xmlns:a14="http://schemas.microsoft.com/office/drawing/2010/main" xmlns="" w="9525">
                   <a:solidFill>
                     <a:srgbClr val="000000"/>
                   </a:solidFill>
@@ -7822,7 +7822,7 @@
             </a:ln>
             <a:extLst>
               <a:ext uri="{91240B29-F687-4f45-9708-019B960494DF}">
-                <a14:hiddenLine xmlns="" xmlns:a14="http://schemas.microsoft.com/office/drawing/2010/main" w="9525">
+                <a14:hiddenLine xmlns:a14="http://schemas.microsoft.com/office/drawing/2010/main" xmlns="" w="9525">
                   <a:solidFill>
                     <a:srgbClr val="000000"/>
                   </a:solidFill>
@@ -7884,7 +7884,7 @@
             </a:ln>
             <a:extLst>
               <a:ext uri="{91240B29-F687-4f45-9708-019B960494DF}">
-                <a14:hiddenLine xmlns="" xmlns:a14="http://schemas.microsoft.com/office/drawing/2010/main" w="9525">
+                <a14:hiddenLine xmlns:a14="http://schemas.microsoft.com/office/drawing/2010/main" xmlns="" w="9525">
                   <a:solidFill>
                     <a:srgbClr val="000000"/>
                   </a:solidFill>
@@ -7994,7 +7994,7 @@
             </a:ln>
             <a:extLst>
               <a:ext uri="{91240B29-F687-4f45-9708-019B960494DF}">
-                <a14:hiddenLine xmlns="" xmlns:a14="http://schemas.microsoft.com/office/drawing/2010/main" w="9525">
+                <a14:hiddenLine xmlns:a14="http://schemas.microsoft.com/office/drawing/2010/main" xmlns="" w="9525">
                   <a:solidFill>
                     <a:srgbClr val="000000"/>
                   </a:solidFill>
@@ -8056,7 +8056,7 @@
             </a:ln>
             <a:extLst>
               <a:ext uri="{91240B29-F687-4f45-9708-019B960494DF}">
-                <a14:hiddenLine xmlns="" xmlns:a14="http://schemas.microsoft.com/office/drawing/2010/main" w="9525">
+                <a14:hiddenLine xmlns:a14="http://schemas.microsoft.com/office/drawing/2010/main" xmlns="" w="9525">
                   <a:solidFill>
                     <a:srgbClr val="000000"/>
                   </a:solidFill>
@@ -8146,7 +8146,7 @@
             </a:ln>
             <a:extLst>
               <a:ext uri="{91240B29-F687-4f45-9708-019B960494DF}">
-                <a14:hiddenLine xmlns="" xmlns:a14="http://schemas.microsoft.com/office/drawing/2010/main" w="9525">
+                <a14:hiddenLine xmlns:a14="http://schemas.microsoft.com/office/drawing/2010/main" xmlns="" w="9525">
                   <a:solidFill>
                     <a:srgbClr val="000000"/>
                   </a:solidFill>
@@ -8236,7 +8236,7 @@
             </a:ln>
             <a:extLst>
               <a:ext uri="{91240B29-F687-4f45-9708-019B960494DF}">
-                <a14:hiddenLine xmlns="" xmlns:a14="http://schemas.microsoft.com/office/drawing/2010/main" w="9525">
+                <a14:hiddenLine xmlns:a14="http://schemas.microsoft.com/office/drawing/2010/main" xmlns="" w="9525">
                   <a:solidFill>
                     <a:srgbClr val="000000"/>
                   </a:solidFill>
@@ -8298,7 +8298,7 @@
             </a:ln>
             <a:extLst>
               <a:ext uri="{91240B29-F687-4f45-9708-019B960494DF}">
-                <a14:hiddenLine xmlns="" xmlns:a14="http://schemas.microsoft.com/office/drawing/2010/main" w="9525">
+                <a14:hiddenLine xmlns:a14="http://schemas.microsoft.com/office/drawing/2010/main" xmlns="" w="9525">
                   <a:solidFill>
                     <a:srgbClr val="000000"/>
                   </a:solidFill>
@@ -8388,7 +8388,7 @@
             </a:ln>
             <a:extLst>
               <a:ext uri="{91240B29-F687-4f45-9708-019B960494DF}">
-                <a14:hiddenLine xmlns="" xmlns:a14="http://schemas.microsoft.com/office/drawing/2010/main" w="9525">
+                <a14:hiddenLine xmlns:a14="http://schemas.microsoft.com/office/drawing/2010/main" xmlns="" w="9525">
                   <a:solidFill>
                     <a:srgbClr val="000000"/>
                   </a:solidFill>
@@ -8478,7 +8478,7 @@
             </a:ln>
             <a:extLst>
               <a:ext uri="{91240B29-F687-4f45-9708-019B960494DF}">
-                <a14:hiddenLine xmlns="" xmlns:a14="http://schemas.microsoft.com/office/drawing/2010/main" w="9525">
+                <a14:hiddenLine xmlns:a14="http://schemas.microsoft.com/office/drawing/2010/main" xmlns="" w="9525">
                   <a:solidFill>
                     <a:srgbClr val="000000"/>
                   </a:solidFill>
@@ -8534,7 +8534,7 @@
             </a:ln>
             <a:extLst>
               <a:ext uri="{91240B29-F687-4f45-9708-019B960494DF}">
-                <a14:hiddenLine xmlns="" xmlns:a14="http://schemas.microsoft.com/office/drawing/2010/main" w="9525">
+                <a14:hiddenLine xmlns:a14="http://schemas.microsoft.com/office/drawing/2010/main" xmlns="" w="9525">
                   <a:solidFill>
                     <a:srgbClr val="000000"/>
                   </a:solidFill>
@@ -8624,7 +8624,7 @@
             </a:ln>
             <a:extLst>
               <a:ext uri="{91240B29-F687-4f45-9708-019B960494DF}">
-                <a14:hiddenLine xmlns="" xmlns:a14="http://schemas.microsoft.com/office/drawing/2010/main" w="9525">
+                <a14:hiddenLine xmlns:a14="http://schemas.microsoft.com/office/drawing/2010/main" xmlns="" w="9525">
                   <a:solidFill>
                     <a:srgbClr val="000000"/>
                   </a:solidFill>
@@ -8680,7 +8680,7 @@
             </a:ln>
             <a:extLst>
               <a:ext uri="{91240B29-F687-4f45-9708-019B960494DF}">
-                <a14:hiddenLine xmlns="" xmlns:a14="http://schemas.microsoft.com/office/drawing/2010/main" w="9525">
+                <a14:hiddenLine xmlns:a14="http://schemas.microsoft.com/office/drawing/2010/main" xmlns="" w="9525">
                   <a:solidFill>
                     <a:srgbClr val="000000"/>
                   </a:solidFill>
@@ -8770,7 +8770,7 @@
             </a:ln>
             <a:extLst>
               <a:ext uri="{91240B29-F687-4f45-9708-019B960494DF}">
-                <a14:hiddenLine xmlns="" xmlns:a14="http://schemas.microsoft.com/office/drawing/2010/main" w="9525">
+                <a14:hiddenLine xmlns:a14="http://schemas.microsoft.com/office/drawing/2010/main" xmlns="" w="9525">
                   <a:solidFill>
                     <a:srgbClr val="000000"/>
                   </a:solidFill>
@@ -8838,7 +8838,7 @@
             </a:ln>
             <a:extLst>
               <a:ext uri="{91240B29-F687-4f45-9708-019B960494DF}">
-                <a14:hiddenLine xmlns="" xmlns:a14="http://schemas.microsoft.com/office/drawing/2010/main" w="9525">
+                <a14:hiddenLine xmlns:a14="http://schemas.microsoft.com/office/drawing/2010/main" xmlns="" w="9525">
                   <a:solidFill>
                     <a:srgbClr val="000000"/>
                   </a:solidFill>
@@ -8928,7 +8928,7 @@
             </a:ln>
             <a:extLst>
               <a:ext uri="{91240B29-F687-4f45-9708-019B960494DF}">
-                <a14:hiddenLine xmlns="" xmlns:a14="http://schemas.microsoft.com/office/drawing/2010/main" w="9525">
+                <a14:hiddenLine xmlns:a14="http://schemas.microsoft.com/office/drawing/2010/main" xmlns="" w="9525">
                   <a:solidFill>
                     <a:srgbClr val="000000"/>
                   </a:solidFill>
@@ -8996,7 +8996,7 @@
             </a:ln>
             <a:extLst>
               <a:ext uri="{91240B29-F687-4f45-9708-019B960494DF}">
-                <a14:hiddenLine xmlns="" xmlns:a14="http://schemas.microsoft.com/office/drawing/2010/main" w="9525">
+                <a14:hiddenLine xmlns:a14="http://schemas.microsoft.com/office/drawing/2010/main" xmlns="" w="9525">
                   <a:solidFill>
                     <a:srgbClr val="000000"/>
                   </a:solidFill>
@@ -9086,7 +9086,7 @@
             </a:ln>
             <a:extLst>
               <a:ext uri="{91240B29-F687-4f45-9708-019B960494DF}">
-                <a14:hiddenLine xmlns="" xmlns:a14="http://schemas.microsoft.com/office/drawing/2010/main" w="9525">
+                <a14:hiddenLine xmlns:a14="http://schemas.microsoft.com/office/drawing/2010/main" xmlns="" w="9525">
                   <a:solidFill>
                     <a:srgbClr val="000000"/>
                   </a:solidFill>
@@ -9120,7 +9120,7 @@
             </a:ln>
             <a:extLst>
               <a:ext uri="{91240B29-F687-4f45-9708-019B960494DF}">
-                <a14:hiddenLine xmlns="" xmlns:a14="http://schemas.microsoft.com/office/drawing/2010/main" w="9525">
+                <a14:hiddenLine xmlns:a14="http://schemas.microsoft.com/office/drawing/2010/main" xmlns="" w="9525">
                   <a:solidFill>
                     <a:srgbClr val="000000"/>
                   </a:solidFill>
@@ -9210,7 +9210,7 @@
             </a:ln>
             <a:extLst>
               <a:ext uri="{91240B29-F687-4f45-9708-019B960494DF}">
-                <a14:hiddenLine xmlns="" xmlns:a14="http://schemas.microsoft.com/office/drawing/2010/main" w="9525">
+                <a14:hiddenLine xmlns:a14="http://schemas.microsoft.com/office/drawing/2010/main" xmlns="" w="9525">
                   <a:solidFill>
                     <a:srgbClr val="000000"/>
                   </a:solidFill>
@@ -9272,7 +9272,7 @@
             </a:ln>
             <a:extLst>
               <a:ext uri="{91240B29-F687-4f45-9708-019B960494DF}">
-                <a14:hiddenLine xmlns="" xmlns:a14="http://schemas.microsoft.com/office/drawing/2010/main" w="9525">
+                <a14:hiddenLine xmlns:a14="http://schemas.microsoft.com/office/drawing/2010/main" xmlns="" w="9525">
                   <a:solidFill>
                     <a:srgbClr val="000000"/>
                   </a:solidFill>
@@ -9334,7 +9334,7 @@
             </a:ln>
             <a:extLst>
               <a:ext uri="{91240B29-F687-4f45-9708-019B960494DF}">
-                <a14:hiddenLine xmlns="" xmlns:a14="http://schemas.microsoft.com/office/drawing/2010/main" w="9525">
+                <a14:hiddenLine xmlns:a14="http://schemas.microsoft.com/office/drawing/2010/main" xmlns="" w="9525">
                   <a:solidFill>
                     <a:srgbClr val="000000"/>
                   </a:solidFill>
@@ -9424,7 +9424,7 @@
             </a:ln>
             <a:extLst>
               <a:ext uri="{91240B29-F687-4f45-9708-019B960494DF}">
-                <a14:hiddenLine xmlns="" xmlns:a14="http://schemas.microsoft.com/office/drawing/2010/main" w="9525">
+                <a14:hiddenLine xmlns:a14="http://schemas.microsoft.com/office/drawing/2010/main" xmlns="" w="9525">
                   <a:solidFill>
                     <a:srgbClr val="000000"/>
                   </a:solidFill>
@@ -9492,7 +9492,7 @@
             </a:ln>
             <a:extLst>
               <a:ext uri="{91240B29-F687-4f45-9708-019B960494DF}">
-                <a14:hiddenLine xmlns="" xmlns:a14="http://schemas.microsoft.com/office/drawing/2010/main" w="9525">
+                <a14:hiddenLine xmlns:a14="http://schemas.microsoft.com/office/drawing/2010/main" xmlns="" w="9525">
                   <a:solidFill>
                     <a:srgbClr val="000000"/>
                   </a:solidFill>
@@ -9554,7 +9554,7 @@
             </a:ln>
             <a:extLst>
               <a:ext uri="{91240B29-F687-4f45-9708-019B960494DF}">
-                <a14:hiddenLine xmlns="" xmlns:a14="http://schemas.microsoft.com/office/drawing/2010/main" w="9525">
+                <a14:hiddenLine xmlns:a14="http://schemas.microsoft.com/office/drawing/2010/main" xmlns="" w="9525">
                   <a:solidFill>
                     <a:srgbClr val="000000"/>
                   </a:solidFill>
@@ -9644,7 +9644,7 @@
             </a:ln>
             <a:extLst>
               <a:ext uri="{91240B29-F687-4f45-9708-019B960494DF}">
-                <a14:hiddenLine xmlns="" xmlns:a14="http://schemas.microsoft.com/office/drawing/2010/main" w="9525">
+                <a14:hiddenLine xmlns:a14="http://schemas.microsoft.com/office/drawing/2010/main" xmlns="" w="9525">
                   <a:solidFill>
                     <a:srgbClr val="000000"/>
                   </a:solidFill>
@@ -9706,7 +9706,7 @@
             </a:ln>
             <a:extLst>
               <a:ext uri="{91240B29-F687-4f45-9708-019B960494DF}">
-                <a14:hiddenLine xmlns="" xmlns:a14="http://schemas.microsoft.com/office/drawing/2010/main" w="9525">
+                <a14:hiddenLine xmlns:a14="http://schemas.microsoft.com/office/drawing/2010/main" xmlns="" w="9525">
                   <a:solidFill>
                     <a:srgbClr val="000000"/>
                   </a:solidFill>
@@ -9796,7 +9796,7 @@
             </a:ln>
             <a:extLst>
               <a:ext uri="{91240B29-F687-4f45-9708-019B960494DF}">
-                <a14:hiddenLine xmlns="" xmlns:a14="http://schemas.microsoft.com/office/drawing/2010/main" w="9525">
+                <a14:hiddenLine xmlns:a14="http://schemas.microsoft.com/office/drawing/2010/main" xmlns="" w="9525">
                   <a:solidFill>
                     <a:srgbClr val="000000"/>
                   </a:solidFill>
@@ -9858,7 +9858,7 @@
             </a:ln>
             <a:extLst>
               <a:ext uri="{91240B29-F687-4f45-9708-019B960494DF}">
-                <a14:hiddenLine xmlns="" xmlns:a14="http://schemas.microsoft.com/office/drawing/2010/main" w="9525">
+                <a14:hiddenLine xmlns:a14="http://schemas.microsoft.com/office/drawing/2010/main" xmlns="" w="9525">
                   <a:solidFill>
                     <a:srgbClr val="000000"/>
                   </a:solidFill>
@@ -9948,7 +9948,7 @@
             </a:ln>
             <a:extLst>
               <a:ext uri="{91240B29-F687-4f45-9708-019B960494DF}">
-                <a14:hiddenLine xmlns="" xmlns:a14="http://schemas.microsoft.com/office/drawing/2010/main" w="9525">
+                <a14:hiddenLine xmlns:a14="http://schemas.microsoft.com/office/drawing/2010/main" xmlns="" w="9525">
                   <a:solidFill>
                     <a:srgbClr val="000000"/>
                   </a:solidFill>
@@ -9982,7 +9982,7 @@
             </a:ln>
             <a:extLst>
               <a:ext uri="{91240B29-F687-4f45-9708-019B960494DF}">
-                <a14:hiddenLine xmlns="" xmlns:a14="http://schemas.microsoft.com/office/drawing/2010/main" w="9525">
+                <a14:hiddenLine xmlns:a14="http://schemas.microsoft.com/office/drawing/2010/main" xmlns="" w="9525">
                   <a:solidFill>
                     <a:srgbClr val="000000"/>
                   </a:solidFill>
@@ -10047,7 +10047,7 @@
             </a:ln>
             <a:extLst>
               <a:ext uri="{91240B29-F687-4f45-9708-019B960494DF}">
-                <a14:hiddenLine xmlns="" xmlns:a14="http://schemas.microsoft.com/office/drawing/2010/main" w="9525">
+                <a14:hiddenLine xmlns:a14="http://schemas.microsoft.com/office/drawing/2010/main" xmlns="" w="9525">
                   <a:solidFill>
                     <a:srgbClr val="000000"/>
                   </a:solidFill>
@@ -10137,7 +10137,7 @@
             </a:ln>
             <a:extLst>
               <a:ext uri="{91240B29-F687-4f45-9708-019B960494DF}">
-                <a14:hiddenLine xmlns="" xmlns:a14="http://schemas.microsoft.com/office/drawing/2010/main" w="9525">
+                <a14:hiddenLine xmlns:a14="http://schemas.microsoft.com/office/drawing/2010/main" xmlns="" w="9525">
                   <a:solidFill>
                     <a:srgbClr val="000000"/>
                   </a:solidFill>
@@ -10199,7 +10199,7 @@
             </a:ln>
             <a:extLst>
               <a:ext uri="{91240B29-F687-4f45-9708-019B960494DF}">
-                <a14:hiddenLine xmlns="" xmlns:a14="http://schemas.microsoft.com/office/drawing/2010/main" w="9525">
+                <a14:hiddenLine xmlns:a14="http://schemas.microsoft.com/office/drawing/2010/main" xmlns="" w="9525">
                   <a:solidFill>
                     <a:srgbClr val="000000"/>
                   </a:solidFill>
@@ -10289,7 +10289,7 @@
             </a:ln>
             <a:extLst>
               <a:ext uri="{91240B29-F687-4f45-9708-019B960494DF}">
-                <a14:hiddenLine xmlns="" xmlns:a14="http://schemas.microsoft.com/office/drawing/2010/main" w="9525">
+                <a14:hiddenLine xmlns:a14="http://schemas.microsoft.com/office/drawing/2010/main" xmlns="" w="9525">
                   <a:solidFill>
                     <a:srgbClr val="000000"/>
                   </a:solidFill>
@@ -10379,7 +10379,7 @@
             </a:ln>
             <a:extLst>
               <a:ext uri="{91240B29-F687-4f45-9708-019B960494DF}">
-                <a14:hiddenLine xmlns="" xmlns:a14="http://schemas.microsoft.com/office/drawing/2010/main" w="9525">
+                <a14:hiddenLine xmlns:a14="http://schemas.microsoft.com/office/drawing/2010/main" xmlns="" w="9525">
                   <a:solidFill>
                     <a:srgbClr val="000000"/>
                   </a:solidFill>
@@ -10444,7 +10444,7 @@
             </a:ln>
             <a:extLst>
               <a:ext uri="{91240B29-F687-4f45-9708-019B960494DF}">
-                <a14:hiddenLine xmlns="" xmlns:a14="http://schemas.microsoft.com/office/drawing/2010/main" w="9525">
+                <a14:hiddenLine xmlns:a14="http://schemas.microsoft.com/office/drawing/2010/main" xmlns="" w="9525">
                   <a:solidFill>
                     <a:srgbClr val="000000"/>
                   </a:solidFill>
@@ -10506,7 +10506,7 @@
             </a:ln>
             <a:extLst>
               <a:ext uri="{91240B29-F687-4f45-9708-019B960494DF}">
-                <a14:hiddenLine xmlns="" xmlns:a14="http://schemas.microsoft.com/office/drawing/2010/main" w="9525">
+                <a14:hiddenLine xmlns:a14="http://schemas.microsoft.com/office/drawing/2010/main" xmlns="" w="9525">
                   <a:solidFill>
                     <a:srgbClr val="000000"/>
                   </a:solidFill>
@@ -10596,7 +10596,7 @@
             </a:ln>
             <a:extLst>
               <a:ext uri="{91240B29-F687-4f45-9708-019B960494DF}">
-                <a14:hiddenLine xmlns="" xmlns:a14="http://schemas.microsoft.com/office/drawing/2010/main" w="9525">
+                <a14:hiddenLine xmlns:a14="http://schemas.microsoft.com/office/drawing/2010/main" xmlns="" w="9525">
                   <a:solidFill>
                     <a:srgbClr val="000000"/>
                   </a:solidFill>
@@ -10686,7 +10686,7 @@
             </a:ln>
             <a:extLst>
               <a:ext uri="{91240B29-F687-4f45-9708-019B960494DF}">
-                <a14:hiddenLine xmlns="" xmlns:a14="http://schemas.microsoft.com/office/drawing/2010/main" w="9525">
+                <a14:hiddenLine xmlns:a14="http://schemas.microsoft.com/office/drawing/2010/main" xmlns="" w="9525">
                   <a:solidFill>
                     <a:srgbClr val="000000"/>
                   </a:solidFill>
@@ -10748,7 +10748,7 @@
             </a:ln>
             <a:extLst>
               <a:ext uri="{91240B29-F687-4f45-9708-019B960494DF}">
-                <a14:hiddenLine xmlns="" xmlns:a14="http://schemas.microsoft.com/office/drawing/2010/main" w="9525">
+                <a14:hiddenLine xmlns:a14="http://schemas.microsoft.com/office/drawing/2010/main" xmlns="" w="9525">
                   <a:solidFill>
                     <a:srgbClr val="000000"/>
                   </a:solidFill>
@@ -10868,7 +10868,7 @@
             </a:ln>
             <a:extLst>
               <a:ext uri="{91240B29-F687-4f45-9708-019B960494DF}">
-                <a14:hiddenLine xmlns="" xmlns:a14="http://schemas.microsoft.com/office/drawing/2010/main" w="9525">
+                <a14:hiddenLine xmlns:a14="http://schemas.microsoft.com/office/drawing/2010/main" xmlns="" w="9525">
                   <a:solidFill>
                     <a:srgbClr val="000000"/>
                   </a:solidFill>
@@ -10936,7 +10936,7 @@
             </a:ln>
             <a:extLst>
               <a:ext uri="{91240B29-F687-4f45-9708-019B960494DF}">
-                <a14:hiddenLine xmlns="" xmlns:a14="http://schemas.microsoft.com/office/drawing/2010/main" w="9525">
+                <a14:hiddenLine xmlns:a14="http://schemas.microsoft.com/office/drawing/2010/main" xmlns="" w="9525">
                   <a:solidFill>
                     <a:srgbClr val="000000"/>
                   </a:solidFill>
@@ -11026,7 +11026,7 @@
             </a:ln>
             <a:extLst>
               <a:ext uri="{91240B29-F687-4f45-9708-019B960494DF}">
-                <a14:hiddenLine xmlns="" xmlns:a14="http://schemas.microsoft.com/office/drawing/2010/main" w="9525">
+                <a14:hiddenLine xmlns:a14="http://schemas.microsoft.com/office/drawing/2010/main" xmlns="" w="9525">
                   <a:solidFill>
                     <a:srgbClr val="000000"/>
                   </a:solidFill>
@@ -11166,7 +11166,7 @@
           <a:p>
             <a:fld id="{5FEE6A9C-84DB-4337-9A3D-1C0986F1EC6F}" type="datetimeFigureOut">
               <a:rPr lang="en-US" smtClean="0"/>
-              <a:t>3/22/2023</a:t>
+              <a:t>3/30/2023</a:t>
             </a:fld>
             <a:endParaRPr lang="en-US"/>
           </a:p>
@@ -11433,7 +11433,7 @@
           <a:p>
             <a:fld id="{5FEE6A9C-84DB-4337-9A3D-1C0986F1EC6F}" type="datetimeFigureOut">
               <a:rPr lang="en-US" smtClean="0"/>
-              <a:t>3/22/2023</a:t>
+              <a:t>3/30/2023</a:t>
             </a:fld>
             <a:endParaRPr lang="en-US"/>
           </a:p>
@@ -11629,7 +11629,7 @@
           <a:p>
             <a:fld id="{5FEE6A9C-84DB-4337-9A3D-1C0986F1EC6F}" type="datetimeFigureOut">
               <a:rPr lang="en-US" smtClean="0"/>
-              <a:t>3/22/2023</a:t>
+              <a:t>3/30/2023</a:t>
             </a:fld>
             <a:endParaRPr lang="en-US"/>
           </a:p>
@@ -11892,7 +11892,7 @@
           <a:p>
             <a:fld id="{5FEE6A9C-84DB-4337-9A3D-1C0986F1EC6F}" type="datetimeFigureOut">
               <a:rPr lang="en-US" smtClean="0"/>
-              <a:t>3/22/2023</a:t>
+              <a:t>3/30/2023</a:t>
             </a:fld>
             <a:endParaRPr lang="en-US"/>
           </a:p>
@@ -12326,7 +12326,7 @@
           <a:p>
             <a:fld id="{5FEE6A9C-84DB-4337-9A3D-1C0986F1EC6F}" type="datetimeFigureOut">
               <a:rPr lang="en-US" smtClean="0"/>
-              <a:t>3/22/2023</a:t>
+              <a:t>3/30/2023</a:t>
             </a:fld>
             <a:endParaRPr lang="en-US"/>
           </a:p>
@@ -12872,7 +12872,7 @@
           <a:p>
             <a:fld id="{5FEE6A9C-84DB-4337-9A3D-1C0986F1EC6F}" type="datetimeFigureOut">
               <a:rPr lang="en-US" smtClean="0"/>
-              <a:t>3/22/2023</a:t>
+              <a:t>3/30/2023</a:t>
             </a:fld>
             <a:endParaRPr lang="en-US"/>
           </a:p>
@@ -13592,7 +13592,7 @@
           <a:p>
             <a:fld id="{5FEE6A9C-84DB-4337-9A3D-1C0986F1EC6F}" type="datetimeFigureOut">
               <a:rPr lang="en-US" smtClean="0"/>
-              <a:t>3/22/2023</a:t>
+              <a:t>3/30/2023</a:t>
             </a:fld>
             <a:endParaRPr lang="en-US"/>
           </a:p>
@@ -13762,7 +13762,7 @@
           <a:p>
             <a:fld id="{5FEE6A9C-84DB-4337-9A3D-1C0986F1EC6F}" type="datetimeFigureOut">
               <a:rPr lang="en-US" smtClean="0"/>
-              <a:t>3/22/2023</a:t>
+              <a:t>3/30/2023</a:t>
             </a:fld>
             <a:endParaRPr lang="en-US"/>
           </a:p>
@@ -13942,7 +13942,7 @@
           <a:p>
             <a:fld id="{5FEE6A9C-84DB-4337-9A3D-1C0986F1EC6F}" type="datetimeFigureOut">
               <a:rPr lang="en-US" smtClean="0"/>
-              <a:t>3/22/2023</a:t>
+              <a:t>3/30/2023</a:t>
             </a:fld>
             <a:endParaRPr lang="en-US"/>
           </a:p>
@@ -14112,7 +14112,7 @@
           <a:p>
             <a:fld id="{5FEE6A9C-84DB-4337-9A3D-1C0986F1EC6F}" type="datetimeFigureOut">
               <a:rPr lang="en-US" smtClean="0"/>
-              <a:t>3/22/2023</a:t>
+              <a:t>3/30/2023</a:t>
             </a:fld>
             <a:endParaRPr lang="en-US"/>
           </a:p>
@@ -14362,7 +14362,7 @@
           <a:p>
             <a:fld id="{5FEE6A9C-84DB-4337-9A3D-1C0986F1EC6F}" type="datetimeFigureOut">
               <a:rPr lang="en-US" smtClean="0"/>
-              <a:t>3/22/2023</a:t>
+              <a:t>3/30/2023</a:t>
             </a:fld>
             <a:endParaRPr lang="en-US"/>
           </a:p>
@@ -14594,7 +14594,7 @@
           <a:p>
             <a:fld id="{5FEE6A9C-84DB-4337-9A3D-1C0986F1EC6F}" type="datetimeFigureOut">
               <a:rPr lang="en-US" smtClean="0"/>
-              <a:t>3/22/2023</a:t>
+              <a:t>3/30/2023</a:t>
             </a:fld>
             <a:endParaRPr lang="en-US"/>
           </a:p>
@@ -14975,7 +14975,7 @@
           <a:p>
             <a:fld id="{5FEE6A9C-84DB-4337-9A3D-1C0986F1EC6F}" type="datetimeFigureOut">
               <a:rPr lang="en-US" smtClean="0"/>
-              <a:t>3/22/2023</a:t>
+              <a:t>3/30/2023</a:t>
             </a:fld>
             <a:endParaRPr lang="en-US"/>
           </a:p>
@@ -15093,7 +15093,7 @@
           <a:p>
             <a:fld id="{5FEE6A9C-84DB-4337-9A3D-1C0986F1EC6F}" type="datetimeFigureOut">
               <a:rPr lang="en-US" smtClean="0"/>
-              <a:t>3/22/2023</a:t>
+              <a:t>3/30/2023</a:t>
             </a:fld>
             <a:endParaRPr lang="en-US"/>
           </a:p>
@@ -15188,7 +15188,7 @@
           <a:p>
             <a:fld id="{5FEE6A9C-84DB-4337-9A3D-1C0986F1EC6F}" type="datetimeFigureOut">
               <a:rPr lang="en-US" smtClean="0"/>
-              <a:t>3/22/2023</a:t>
+              <a:t>3/30/2023</a:t>
             </a:fld>
             <a:endParaRPr lang="en-US"/>
           </a:p>
@@ -15437,7 +15437,7 @@
           <a:p>
             <a:fld id="{5FEE6A9C-84DB-4337-9A3D-1C0986F1EC6F}" type="datetimeFigureOut">
               <a:rPr lang="en-US" smtClean="0"/>
-              <a:t>3/22/2023</a:t>
+              <a:t>3/30/2023</a:t>
             </a:fld>
             <a:endParaRPr lang="en-US"/>
           </a:p>
@@ -15717,7 +15717,7 @@
           <a:p>
             <a:fld id="{5FEE6A9C-84DB-4337-9A3D-1C0986F1EC6F}" type="datetimeFigureOut">
               <a:rPr lang="en-US" smtClean="0"/>
-              <a:t>3/22/2023</a:t>
+              <a:t>3/30/2023</a:t>
             </a:fld>
             <a:endParaRPr lang="en-US"/>
           </a:p>
@@ -15840,7 +15840,7 @@
           <a:noFill/>
           <a:extLst>
             <a:ext uri="{909E8E84-426E-40dd-AFC4-6F175D3DCCD1}">
-              <a14:hiddenFill xmlns="" xmlns:a14="http://schemas.microsoft.com/office/drawing/2010/main">
+              <a14:hiddenFill xmlns:a14="http://schemas.microsoft.com/office/drawing/2010/main" xmlns="">
                 <a:solidFill>
                   <a:srgbClr val="FFFFFF"/>
                 </a:solidFill>
@@ -15914,7 +15914,7 @@
               </a:ln>
               <a:extLst>
                 <a:ext uri="{91240B29-F687-4f45-9708-019B960494DF}">
-                  <a14:hiddenLine xmlns="" xmlns:a14="http://schemas.microsoft.com/office/drawing/2010/main" w="9525">
+                  <a14:hiddenLine xmlns:a14="http://schemas.microsoft.com/office/drawing/2010/main" xmlns="" w="9525">
                     <a:solidFill>
                       <a:srgbClr val="000000"/>
                     </a:solidFill>
@@ -16004,7 +16004,7 @@
               </a:ln>
               <a:extLst>
                 <a:ext uri="{91240B29-F687-4f45-9708-019B960494DF}">
-                  <a14:hiddenLine xmlns="" xmlns:a14="http://schemas.microsoft.com/office/drawing/2010/main" w="9525">
+                  <a14:hiddenLine xmlns:a14="http://schemas.microsoft.com/office/drawing/2010/main" xmlns="" w="9525">
                     <a:solidFill>
                       <a:srgbClr val="000000"/>
                     </a:solidFill>
@@ -16094,7 +16094,7 @@
               </a:ln>
               <a:extLst>
                 <a:ext uri="{91240B29-F687-4f45-9708-019B960494DF}">
-                  <a14:hiddenLine xmlns="" xmlns:a14="http://schemas.microsoft.com/office/drawing/2010/main" w="9525">
+                  <a14:hiddenLine xmlns:a14="http://schemas.microsoft.com/office/drawing/2010/main" xmlns="" w="9525">
                     <a:solidFill>
                       <a:srgbClr val="000000"/>
                     </a:solidFill>
@@ -16156,7 +16156,7 @@
               </a:ln>
               <a:extLst>
                 <a:ext uri="{91240B29-F687-4f45-9708-019B960494DF}">
-                  <a14:hiddenLine xmlns="" xmlns:a14="http://schemas.microsoft.com/office/drawing/2010/main" w="9525">
+                  <a14:hiddenLine xmlns:a14="http://schemas.microsoft.com/office/drawing/2010/main" xmlns="" w="9525">
                     <a:solidFill>
                       <a:srgbClr val="000000"/>
                     </a:solidFill>
@@ -16246,7 +16246,7 @@
               </a:ln>
               <a:extLst>
                 <a:ext uri="{91240B29-F687-4f45-9708-019B960494DF}">
-                  <a14:hiddenLine xmlns="" xmlns:a14="http://schemas.microsoft.com/office/drawing/2010/main" w="9525">
+                  <a14:hiddenLine xmlns:a14="http://schemas.microsoft.com/office/drawing/2010/main" xmlns="" w="9525">
                     <a:solidFill>
                       <a:srgbClr val="000000"/>
                     </a:solidFill>
@@ -16308,7 +16308,7 @@
               </a:ln>
               <a:extLst>
                 <a:ext uri="{91240B29-F687-4f45-9708-019B960494DF}">
-                  <a14:hiddenLine xmlns="" xmlns:a14="http://schemas.microsoft.com/office/drawing/2010/main" w="9525">
+                  <a14:hiddenLine xmlns:a14="http://schemas.microsoft.com/office/drawing/2010/main" xmlns="" w="9525">
                     <a:solidFill>
                       <a:srgbClr val="000000"/>
                     </a:solidFill>
@@ -16370,7 +16370,7 @@
               </a:ln>
               <a:extLst>
                 <a:ext uri="{91240B29-F687-4f45-9708-019B960494DF}">
-                  <a14:hiddenLine xmlns="" xmlns:a14="http://schemas.microsoft.com/office/drawing/2010/main" w="9525">
+                  <a14:hiddenLine xmlns:a14="http://schemas.microsoft.com/office/drawing/2010/main" xmlns="" w="9525">
                     <a:solidFill>
                       <a:srgbClr val="000000"/>
                     </a:solidFill>
@@ -16460,7 +16460,7 @@
               </a:ln>
               <a:extLst>
                 <a:ext uri="{91240B29-F687-4f45-9708-019B960494DF}">
-                  <a14:hiddenLine xmlns="" xmlns:a14="http://schemas.microsoft.com/office/drawing/2010/main" w="9525">
+                  <a14:hiddenLine xmlns:a14="http://schemas.microsoft.com/office/drawing/2010/main" xmlns="" w="9525">
                     <a:solidFill>
                       <a:srgbClr val="000000"/>
                     </a:solidFill>
@@ -16550,7 +16550,7 @@
               </a:ln>
               <a:extLst>
                 <a:ext uri="{91240B29-F687-4f45-9708-019B960494DF}">
-                  <a14:hiddenLine xmlns="" xmlns:a14="http://schemas.microsoft.com/office/drawing/2010/main" w="9525">
+                  <a14:hiddenLine xmlns:a14="http://schemas.microsoft.com/office/drawing/2010/main" xmlns="" w="9525">
                     <a:solidFill>
                       <a:srgbClr val="000000"/>
                     </a:solidFill>
@@ -16612,7 +16612,7 @@
               </a:ln>
               <a:extLst>
                 <a:ext uri="{91240B29-F687-4f45-9708-019B960494DF}">
-                  <a14:hiddenLine xmlns="" xmlns:a14="http://schemas.microsoft.com/office/drawing/2010/main" w="9525">
+                  <a14:hiddenLine xmlns:a14="http://schemas.microsoft.com/office/drawing/2010/main" xmlns="" w="9525">
                     <a:solidFill>
                       <a:srgbClr val="000000"/>
                     </a:solidFill>
@@ -16722,7 +16722,7 @@
               </a:ln>
               <a:extLst>
                 <a:ext uri="{91240B29-F687-4f45-9708-019B960494DF}">
-                  <a14:hiddenLine xmlns="" xmlns:a14="http://schemas.microsoft.com/office/drawing/2010/main" w="9525">
+                  <a14:hiddenLine xmlns:a14="http://schemas.microsoft.com/office/drawing/2010/main" xmlns="" w="9525">
                     <a:solidFill>
                       <a:srgbClr val="000000"/>
                     </a:solidFill>
@@ -16806,7 +16806,7 @@
               </a:ln>
               <a:extLst>
                 <a:ext uri="{91240B29-F687-4f45-9708-019B960494DF}">
-                  <a14:hiddenLine xmlns="" xmlns:a14="http://schemas.microsoft.com/office/drawing/2010/main" w="9525">
+                  <a14:hiddenLine xmlns:a14="http://schemas.microsoft.com/office/drawing/2010/main" xmlns="" w="9525">
                     <a:solidFill>
                       <a:srgbClr val="000000"/>
                     </a:solidFill>
@@ -16868,7 +16868,7 @@
               </a:ln>
               <a:extLst>
                 <a:ext uri="{91240B29-F687-4f45-9708-019B960494DF}">
-                  <a14:hiddenLine xmlns="" xmlns:a14="http://schemas.microsoft.com/office/drawing/2010/main" w="9525">
+                  <a14:hiddenLine xmlns:a14="http://schemas.microsoft.com/office/drawing/2010/main" xmlns="" w="9525">
                     <a:solidFill>
                       <a:srgbClr val="000000"/>
                     </a:solidFill>
@@ -16930,7 +16930,7 @@
               </a:ln>
               <a:extLst>
                 <a:ext uri="{91240B29-F687-4f45-9708-019B960494DF}">
-                  <a14:hiddenLine xmlns="" xmlns:a14="http://schemas.microsoft.com/office/drawing/2010/main" w="9525">
+                  <a14:hiddenLine xmlns:a14="http://schemas.microsoft.com/office/drawing/2010/main" xmlns="" w="9525">
                     <a:solidFill>
                       <a:srgbClr val="000000"/>
                     </a:solidFill>
@@ -17020,7 +17020,7 @@
               </a:ln>
               <a:extLst>
                 <a:ext uri="{91240B29-F687-4f45-9708-019B960494DF}">
-                  <a14:hiddenLine xmlns="" xmlns:a14="http://schemas.microsoft.com/office/drawing/2010/main" w="9525">
+                  <a14:hiddenLine xmlns:a14="http://schemas.microsoft.com/office/drawing/2010/main" xmlns="" w="9525">
                     <a:solidFill>
                       <a:srgbClr val="000000"/>
                     </a:solidFill>
@@ -17054,7 +17054,7 @@
               </a:ln>
               <a:extLst>
                 <a:ext uri="{91240B29-F687-4f45-9708-019B960494DF}">
-                  <a14:hiddenLine xmlns="" xmlns:a14="http://schemas.microsoft.com/office/drawing/2010/main" w="9525">
+                  <a14:hiddenLine xmlns:a14="http://schemas.microsoft.com/office/drawing/2010/main" xmlns="" w="9525">
                     <a:solidFill>
                       <a:srgbClr val="000000"/>
                     </a:solidFill>
@@ -17119,7 +17119,7 @@
               </a:ln>
               <a:extLst>
                 <a:ext uri="{91240B29-F687-4f45-9708-019B960494DF}">
-                  <a14:hiddenLine xmlns="" xmlns:a14="http://schemas.microsoft.com/office/drawing/2010/main" w="9525">
+                  <a14:hiddenLine xmlns:a14="http://schemas.microsoft.com/office/drawing/2010/main" xmlns="" w="9525">
                     <a:solidFill>
                       <a:srgbClr val="000000"/>
                     </a:solidFill>
@@ -17209,7 +17209,7 @@
               </a:ln>
               <a:extLst>
                 <a:ext uri="{91240B29-F687-4f45-9708-019B960494DF}">
-                  <a14:hiddenLine xmlns="" xmlns:a14="http://schemas.microsoft.com/office/drawing/2010/main" w="9525">
+                  <a14:hiddenLine xmlns:a14="http://schemas.microsoft.com/office/drawing/2010/main" xmlns="" w="9525">
                     <a:solidFill>
                       <a:srgbClr val="000000"/>
                     </a:solidFill>
@@ -17271,7 +17271,7 @@
               </a:ln>
               <a:extLst>
                 <a:ext uri="{91240B29-F687-4f45-9708-019B960494DF}">
-                  <a14:hiddenLine xmlns="" xmlns:a14="http://schemas.microsoft.com/office/drawing/2010/main" w="9525">
+                  <a14:hiddenLine xmlns:a14="http://schemas.microsoft.com/office/drawing/2010/main" xmlns="" w="9525">
                     <a:solidFill>
                       <a:srgbClr val="000000"/>
                     </a:solidFill>
@@ -17361,7 +17361,7 @@
               </a:ln>
               <a:extLst>
                 <a:ext uri="{91240B29-F687-4f45-9708-019B960494DF}">
-                  <a14:hiddenLine xmlns="" xmlns:a14="http://schemas.microsoft.com/office/drawing/2010/main" w="9525">
+                  <a14:hiddenLine xmlns:a14="http://schemas.microsoft.com/office/drawing/2010/main" xmlns="" w="9525">
                     <a:solidFill>
                       <a:srgbClr val="000000"/>
                     </a:solidFill>
@@ -17426,7 +17426,7 @@
               </a:ln>
               <a:extLst>
                 <a:ext uri="{91240B29-F687-4f45-9708-019B960494DF}">
-                  <a14:hiddenLine xmlns="" xmlns:a14="http://schemas.microsoft.com/office/drawing/2010/main" w="9525">
+                  <a14:hiddenLine xmlns:a14="http://schemas.microsoft.com/office/drawing/2010/main" xmlns="" w="9525">
                     <a:solidFill>
                       <a:srgbClr val="000000"/>
                     </a:solidFill>
@@ -17488,7 +17488,7 @@
               </a:ln>
               <a:extLst>
                 <a:ext uri="{91240B29-F687-4f45-9708-019B960494DF}">
-                  <a14:hiddenLine xmlns="" xmlns:a14="http://schemas.microsoft.com/office/drawing/2010/main" w="9525">
+                  <a14:hiddenLine xmlns:a14="http://schemas.microsoft.com/office/drawing/2010/main" xmlns="" w="9525">
                     <a:solidFill>
                       <a:srgbClr val="000000"/>
                     </a:solidFill>
@@ -17578,7 +17578,7 @@
               </a:ln>
               <a:extLst>
                 <a:ext uri="{91240B29-F687-4f45-9708-019B960494DF}">
-                  <a14:hiddenLine xmlns="" xmlns:a14="http://schemas.microsoft.com/office/drawing/2010/main" w="9525">
+                  <a14:hiddenLine xmlns:a14="http://schemas.microsoft.com/office/drawing/2010/main" xmlns="" w="9525">
                     <a:solidFill>
                       <a:srgbClr val="000000"/>
                     </a:solidFill>
@@ -17668,7 +17668,7 @@
               </a:ln>
               <a:extLst>
                 <a:ext uri="{91240B29-F687-4f45-9708-019B960494DF}">
-                  <a14:hiddenLine xmlns="" xmlns:a14="http://schemas.microsoft.com/office/drawing/2010/main" w="9525">
+                  <a14:hiddenLine xmlns:a14="http://schemas.microsoft.com/office/drawing/2010/main" xmlns="" w="9525">
                     <a:solidFill>
                       <a:srgbClr val="000000"/>
                     </a:solidFill>
@@ -17733,7 +17733,7 @@
               </a:ln>
               <a:extLst>
                 <a:ext uri="{91240B29-F687-4f45-9708-019B960494DF}">
-                  <a14:hiddenLine xmlns="" xmlns:a14="http://schemas.microsoft.com/office/drawing/2010/main" w="9525">
+                  <a14:hiddenLine xmlns:a14="http://schemas.microsoft.com/office/drawing/2010/main" xmlns="" w="9525">
                     <a:solidFill>
                       <a:srgbClr val="000000"/>
                     </a:solidFill>
@@ -17853,7 +17853,7 @@
               </a:ln>
               <a:extLst>
                 <a:ext uri="{91240B29-F687-4f45-9708-019B960494DF}">
-                  <a14:hiddenLine xmlns="" xmlns:a14="http://schemas.microsoft.com/office/drawing/2010/main" w="9525">
+                  <a14:hiddenLine xmlns:a14="http://schemas.microsoft.com/office/drawing/2010/main" xmlns="" w="9525">
                     <a:solidFill>
                       <a:srgbClr val="000000"/>
                     </a:solidFill>
@@ -17934,7 +17934,7 @@
               </a:ln>
               <a:extLst>
                 <a:ext uri="{91240B29-F687-4f45-9708-019B960494DF}">
-                  <a14:hiddenLine xmlns="" xmlns:a14="http://schemas.microsoft.com/office/drawing/2010/main" w="9525">
+                  <a14:hiddenLine xmlns:a14="http://schemas.microsoft.com/office/drawing/2010/main" xmlns="" w="9525">
                     <a:solidFill>
                       <a:srgbClr val="000000"/>
                     </a:solidFill>
@@ -18049,7 +18049,7 @@
               </a:ln>
               <a:extLst>
                 <a:ext uri="{91240B29-F687-4f45-9708-019B960494DF}">
-                  <a14:hiddenLine xmlns="" xmlns:a14="http://schemas.microsoft.com/office/drawing/2010/main" w="9525">
+                  <a14:hiddenLine xmlns:a14="http://schemas.microsoft.com/office/drawing/2010/main" xmlns="" w="9525">
                     <a:solidFill>
                       <a:srgbClr val="000000"/>
                     </a:solidFill>
@@ -18139,7 +18139,7 @@
               </a:ln>
               <a:extLst>
                 <a:ext uri="{91240B29-F687-4f45-9708-019B960494DF}">
-                  <a14:hiddenLine xmlns="" xmlns:a14="http://schemas.microsoft.com/office/drawing/2010/main" w="9525">
+                  <a14:hiddenLine xmlns:a14="http://schemas.microsoft.com/office/drawing/2010/main" xmlns="" w="9525">
                     <a:solidFill>
                       <a:srgbClr val="000000"/>
                     </a:solidFill>
@@ -18204,7 +18204,7 @@
               </a:ln>
               <a:extLst>
                 <a:ext uri="{91240B29-F687-4f45-9708-019B960494DF}">
-                  <a14:hiddenLine xmlns="" xmlns:a14="http://schemas.microsoft.com/office/drawing/2010/main" w="9525">
+                  <a14:hiddenLine xmlns:a14="http://schemas.microsoft.com/office/drawing/2010/main" xmlns="" w="9525">
                     <a:solidFill>
                       <a:srgbClr val="000000"/>
                     </a:solidFill>
@@ -18294,7 +18294,7 @@
               </a:ln>
               <a:extLst>
                 <a:ext uri="{91240B29-F687-4f45-9708-019B960494DF}">
-                  <a14:hiddenLine xmlns="" xmlns:a14="http://schemas.microsoft.com/office/drawing/2010/main" w="9525">
+                  <a14:hiddenLine xmlns:a14="http://schemas.microsoft.com/office/drawing/2010/main" xmlns="" w="9525">
                     <a:solidFill>
                       <a:srgbClr val="000000"/>
                     </a:solidFill>
@@ -18362,7 +18362,7 @@
               </a:ln>
               <a:extLst>
                 <a:ext uri="{91240B29-F687-4f45-9708-019B960494DF}">
-                  <a14:hiddenLine xmlns="" xmlns:a14="http://schemas.microsoft.com/office/drawing/2010/main" w="9525">
+                  <a14:hiddenLine xmlns:a14="http://schemas.microsoft.com/office/drawing/2010/main" xmlns="" w="9525">
                     <a:solidFill>
                       <a:srgbClr val="000000"/>
                     </a:solidFill>
@@ -18452,7 +18452,7 @@
               </a:ln>
               <a:extLst>
                 <a:ext uri="{91240B29-F687-4f45-9708-019B960494DF}">
-                  <a14:hiddenLine xmlns="" xmlns:a14="http://schemas.microsoft.com/office/drawing/2010/main" w="9525">
+                  <a14:hiddenLine xmlns:a14="http://schemas.microsoft.com/office/drawing/2010/main" xmlns="" w="9525">
                     <a:solidFill>
                       <a:srgbClr val="000000"/>
                     </a:solidFill>
@@ -18520,7 +18520,7 @@
               </a:ln>
               <a:extLst>
                 <a:ext uri="{91240B29-F687-4f45-9708-019B960494DF}">
-                  <a14:hiddenLine xmlns="" xmlns:a14="http://schemas.microsoft.com/office/drawing/2010/main" w="9525">
+                  <a14:hiddenLine xmlns:a14="http://schemas.microsoft.com/office/drawing/2010/main" xmlns="" w="9525">
                     <a:solidFill>
                       <a:srgbClr val="000000"/>
                     </a:solidFill>
@@ -18610,7 +18610,7 @@
               </a:ln>
               <a:extLst>
                 <a:ext uri="{91240B29-F687-4f45-9708-019B960494DF}">
-                  <a14:hiddenLine xmlns="" xmlns:a14="http://schemas.microsoft.com/office/drawing/2010/main" w="9525">
+                  <a14:hiddenLine xmlns:a14="http://schemas.microsoft.com/office/drawing/2010/main" xmlns="" w="9525">
                     <a:solidFill>
                       <a:srgbClr val="000000"/>
                     </a:solidFill>
@@ -18644,7 +18644,7 @@
               </a:ln>
               <a:extLst>
                 <a:ext uri="{91240B29-F687-4f45-9708-019B960494DF}">
-                  <a14:hiddenLine xmlns="" xmlns:a14="http://schemas.microsoft.com/office/drawing/2010/main" w="9525">
+                  <a14:hiddenLine xmlns:a14="http://schemas.microsoft.com/office/drawing/2010/main" xmlns="" w="9525">
                     <a:solidFill>
                       <a:srgbClr val="000000"/>
                     </a:solidFill>
@@ -18784,7 +18784,7 @@
           <a:p>
             <a:fld id="{5FEE6A9C-84DB-4337-9A3D-1C0986F1EC6F}" type="datetimeFigureOut">
               <a:rPr lang="en-US" smtClean="0"/>
-              <a:t>3/22/2023</a:t>
+              <a:t>3/30/2023</a:t>
             </a:fld>
             <a:endParaRPr lang="en-US"/>
           </a:p>
@@ -19988,6 +19988,14 @@
             </a:r>
             <a:r>
               <a:rPr lang="en-US" dirty="0" err="1"/>
+              <a:t>unul</a:t>
+            </a:r>
+            <a:r>
+              <a:rPr lang="en-US" dirty="0"/>
+              <a:t> </a:t>
+            </a:r>
+            <a:r>
+              <a:rPr lang="en-US" dirty="0" err="1"/>
               <a:t>dintre</a:t>
             </a:r>
             <a:r>
@@ -19996,7 +20004,7 @@
             </a:r>
             <a:r>
               <a:rPr lang="en-US" dirty="0" err="1"/>
-              <a:t>cel</a:t>
+              <a:t>cele</a:t>
             </a:r>
             <a:r>
               <a:rPr lang="en-US" dirty="0"/>
